--- a/papers/coupled-simulations/AIAA2012/AIAA_Figure_Gen.pptx
+++ b/papers/coupled-simulations/AIAA2012/AIAA_Figure_Gen.pptx
@@ -8,6 +8,10 @@
     <p:sldId id="258" r:id="rId2"/>
     <p:sldId id="257" r:id="rId3"/>
     <p:sldId id="256" r:id="rId4"/>
+    <p:sldId id="259" r:id="rId5"/>
+    <p:sldId id="260" r:id="rId6"/>
+    <p:sldId id="261" r:id="rId7"/>
+    <p:sldId id="262" r:id="rId8"/>
   </p:sldIdLst>
   <p:sldSz cx="9144000" cy="6858000" type="screen4x3"/>
   <p:notesSz cx="6858000" cy="9144000"/>
@@ -290,7 +294,8 @@
           <a:p>
             <a:fld id="{694CEEBB-352F-423C-BE1B-BB6B9033B04D}" type="datetimeFigureOut">
               <a:rPr lang="ko-KR" altLang="en-US" smtClean="0"/>
-              <a:t>2012-06-02</a:t>
+              <a:pPr/>
+              <a:t>2012-06-10</a:t>
             </a:fld>
             <a:endParaRPr lang="ko-KR" altLang="en-US"/>
           </a:p>
@@ -332,6 +337,7 @@
           <a:p>
             <a:fld id="{01F65B6E-1814-473E-B6E9-6ECCADBA074F}" type="slidenum">
               <a:rPr lang="ko-KR" altLang="en-US" smtClean="0"/>
+              <a:pPr/>
               <a:t>‹#›</a:t>
             </a:fld>
             <a:endParaRPr lang="ko-KR" altLang="en-US"/>
@@ -455,7 +461,8 @@
           <a:p>
             <a:fld id="{694CEEBB-352F-423C-BE1B-BB6B9033B04D}" type="datetimeFigureOut">
               <a:rPr lang="ko-KR" altLang="en-US" smtClean="0"/>
-              <a:t>2012-06-02</a:t>
+              <a:pPr/>
+              <a:t>2012-06-10</a:t>
             </a:fld>
             <a:endParaRPr lang="ko-KR" altLang="en-US"/>
           </a:p>
@@ -497,6 +504,7 @@
           <a:p>
             <a:fld id="{01F65B6E-1814-473E-B6E9-6ECCADBA074F}" type="slidenum">
               <a:rPr lang="ko-KR" altLang="en-US" smtClean="0"/>
+              <a:pPr/>
               <a:t>‹#›</a:t>
             </a:fld>
             <a:endParaRPr lang="ko-KR" altLang="en-US"/>
@@ -630,7 +638,8 @@
           <a:p>
             <a:fld id="{694CEEBB-352F-423C-BE1B-BB6B9033B04D}" type="datetimeFigureOut">
               <a:rPr lang="ko-KR" altLang="en-US" smtClean="0"/>
-              <a:t>2012-06-02</a:t>
+              <a:pPr/>
+              <a:t>2012-06-10</a:t>
             </a:fld>
             <a:endParaRPr lang="ko-KR" altLang="en-US"/>
           </a:p>
@@ -672,6 +681,7 @@
           <a:p>
             <a:fld id="{01F65B6E-1814-473E-B6E9-6ECCADBA074F}" type="slidenum">
               <a:rPr lang="ko-KR" altLang="en-US" smtClean="0"/>
+              <a:pPr/>
               <a:t>‹#›</a:t>
             </a:fld>
             <a:endParaRPr lang="ko-KR" altLang="en-US"/>
@@ -795,7 +805,8 @@
           <a:p>
             <a:fld id="{694CEEBB-352F-423C-BE1B-BB6B9033B04D}" type="datetimeFigureOut">
               <a:rPr lang="ko-KR" altLang="en-US" smtClean="0"/>
-              <a:t>2012-06-02</a:t>
+              <a:pPr/>
+              <a:t>2012-06-10</a:t>
             </a:fld>
             <a:endParaRPr lang="ko-KR" altLang="en-US"/>
           </a:p>
@@ -837,6 +848,7 @@
           <a:p>
             <a:fld id="{01F65B6E-1814-473E-B6E9-6ECCADBA074F}" type="slidenum">
               <a:rPr lang="ko-KR" altLang="en-US" smtClean="0"/>
+              <a:pPr/>
               <a:t>‹#›</a:t>
             </a:fld>
             <a:endParaRPr lang="ko-KR" altLang="en-US"/>
@@ -1036,7 +1048,8 @@
           <a:p>
             <a:fld id="{694CEEBB-352F-423C-BE1B-BB6B9033B04D}" type="datetimeFigureOut">
               <a:rPr lang="ko-KR" altLang="en-US" smtClean="0"/>
-              <a:t>2012-06-02</a:t>
+              <a:pPr/>
+              <a:t>2012-06-10</a:t>
             </a:fld>
             <a:endParaRPr lang="ko-KR" altLang="en-US"/>
           </a:p>
@@ -1078,6 +1091,7 @@
           <a:p>
             <a:fld id="{01F65B6E-1814-473E-B6E9-6ECCADBA074F}" type="slidenum">
               <a:rPr lang="ko-KR" altLang="en-US" smtClean="0"/>
+              <a:pPr/>
               <a:t>‹#›</a:t>
             </a:fld>
             <a:endParaRPr lang="ko-KR" altLang="en-US"/>
@@ -1319,7 +1333,8 @@
           <a:p>
             <a:fld id="{694CEEBB-352F-423C-BE1B-BB6B9033B04D}" type="datetimeFigureOut">
               <a:rPr lang="ko-KR" altLang="en-US" smtClean="0"/>
-              <a:t>2012-06-02</a:t>
+              <a:pPr/>
+              <a:t>2012-06-10</a:t>
             </a:fld>
             <a:endParaRPr lang="ko-KR" altLang="en-US"/>
           </a:p>
@@ -1361,6 +1376,7 @@
           <a:p>
             <a:fld id="{01F65B6E-1814-473E-B6E9-6ECCADBA074F}" type="slidenum">
               <a:rPr lang="ko-KR" altLang="en-US" smtClean="0"/>
+              <a:pPr/>
               <a:t>‹#›</a:t>
             </a:fld>
             <a:endParaRPr lang="ko-KR" altLang="en-US"/>
@@ -1736,7 +1752,8 @@
           <a:p>
             <a:fld id="{694CEEBB-352F-423C-BE1B-BB6B9033B04D}" type="datetimeFigureOut">
               <a:rPr lang="ko-KR" altLang="en-US" smtClean="0"/>
-              <a:t>2012-06-02</a:t>
+              <a:pPr/>
+              <a:t>2012-06-10</a:t>
             </a:fld>
             <a:endParaRPr lang="ko-KR" altLang="en-US"/>
           </a:p>
@@ -1778,6 +1795,7 @@
           <a:p>
             <a:fld id="{01F65B6E-1814-473E-B6E9-6ECCADBA074F}" type="slidenum">
               <a:rPr lang="ko-KR" altLang="en-US" smtClean="0"/>
+              <a:pPr/>
               <a:t>‹#›</a:t>
             </a:fld>
             <a:endParaRPr lang="ko-KR" altLang="en-US"/>
@@ -1849,7 +1867,8 @@
           <a:p>
             <a:fld id="{694CEEBB-352F-423C-BE1B-BB6B9033B04D}" type="datetimeFigureOut">
               <a:rPr lang="ko-KR" altLang="en-US" smtClean="0"/>
-              <a:t>2012-06-02</a:t>
+              <a:pPr/>
+              <a:t>2012-06-10</a:t>
             </a:fld>
             <a:endParaRPr lang="ko-KR" altLang="en-US"/>
           </a:p>
@@ -1891,6 +1910,7 @@
           <a:p>
             <a:fld id="{01F65B6E-1814-473E-B6E9-6ECCADBA074F}" type="slidenum">
               <a:rPr lang="ko-KR" altLang="en-US" smtClean="0"/>
+              <a:pPr/>
               <a:t>‹#›</a:t>
             </a:fld>
             <a:endParaRPr lang="ko-KR" altLang="en-US"/>
@@ -1939,7 +1959,8 @@
           <a:p>
             <a:fld id="{694CEEBB-352F-423C-BE1B-BB6B9033B04D}" type="datetimeFigureOut">
               <a:rPr lang="ko-KR" altLang="en-US" smtClean="0"/>
-              <a:t>2012-06-02</a:t>
+              <a:pPr/>
+              <a:t>2012-06-10</a:t>
             </a:fld>
             <a:endParaRPr lang="ko-KR" altLang="en-US"/>
           </a:p>
@@ -1981,6 +2002,7 @@
           <a:p>
             <a:fld id="{01F65B6E-1814-473E-B6E9-6ECCADBA074F}" type="slidenum">
               <a:rPr lang="ko-KR" altLang="en-US" smtClean="0"/>
+              <a:pPr/>
               <a:t>‹#›</a:t>
             </a:fld>
             <a:endParaRPr lang="ko-KR" altLang="en-US"/>
@@ -2211,7 +2233,8 @@
           <a:p>
             <a:fld id="{694CEEBB-352F-423C-BE1B-BB6B9033B04D}" type="datetimeFigureOut">
               <a:rPr lang="ko-KR" altLang="en-US" smtClean="0"/>
-              <a:t>2012-06-02</a:t>
+              <a:pPr/>
+              <a:t>2012-06-10</a:t>
             </a:fld>
             <a:endParaRPr lang="ko-KR" altLang="en-US"/>
           </a:p>
@@ -2253,6 +2276,7 @@
           <a:p>
             <a:fld id="{01F65B6E-1814-473E-B6E9-6ECCADBA074F}" type="slidenum">
               <a:rPr lang="ko-KR" altLang="en-US" smtClean="0"/>
+              <a:pPr/>
               <a:t>‹#›</a:t>
             </a:fld>
             <a:endParaRPr lang="ko-KR" altLang="en-US"/>
@@ -2459,7 +2483,8 @@
           <a:p>
             <a:fld id="{694CEEBB-352F-423C-BE1B-BB6B9033B04D}" type="datetimeFigureOut">
               <a:rPr lang="ko-KR" altLang="en-US" smtClean="0"/>
-              <a:t>2012-06-02</a:t>
+              <a:pPr/>
+              <a:t>2012-06-10</a:t>
             </a:fld>
             <a:endParaRPr lang="ko-KR" altLang="en-US"/>
           </a:p>
@@ -2501,6 +2526,7 @@
           <a:p>
             <a:fld id="{01F65B6E-1814-473E-B6E9-6ECCADBA074F}" type="slidenum">
               <a:rPr lang="ko-KR" altLang="en-US" smtClean="0"/>
+              <a:pPr/>
               <a:t>‹#›</a:t>
             </a:fld>
             <a:endParaRPr lang="ko-KR" altLang="en-US"/>
@@ -2667,7 +2693,8 @@
           <a:p>
             <a:fld id="{694CEEBB-352F-423C-BE1B-BB6B9033B04D}" type="datetimeFigureOut">
               <a:rPr lang="ko-KR" altLang="en-US" smtClean="0"/>
-              <a:t>2012-06-02</a:t>
+              <a:pPr/>
+              <a:t>2012-06-10</a:t>
             </a:fld>
             <a:endParaRPr lang="ko-KR" altLang="en-US"/>
           </a:p>
@@ -2745,6 +2772,7 @@
           <a:p>
             <a:fld id="{01F65B6E-1814-473E-B6E9-6ECCADBA074F}" type="slidenum">
               <a:rPr lang="ko-KR" altLang="en-US" smtClean="0"/>
+              <a:pPr/>
               <a:t>‹#›</a:t>
             </a:fld>
             <a:endParaRPr lang="ko-KR" altLang="en-US"/>
@@ -3420,6 +3448,390 @@
           </p:spPr>
         </p:pic>
       </p:grpSp>
+    </p:spTree>
+  </p:cSld>
+  <p:clrMapOvr>
+    <a:masterClrMapping/>
+  </p:clrMapOvr>
+</p:sld>
+</file>
+
+<file path=ppt/slides/slide4.xml><?xml version="1.0" encoding="utf-8"?>
+<p:sld xmlns:a="http://schemas.openxmlformats.org/drawingml/2006/main" xmlns:r="http://schemas.openxmlformats.org/officeDocument/2006/relationships" xmlns:p="http://schemas.openxmlformats.org/presentationml/2006/main">
+  <p:cSld>
+    <p:spTree>
+      <p:nvGrpSpPr>
+        <p:cNvPr id="1" name=""/>
+        <p:cNvGrpSpPr/>
+        <p:nvPr/>
+      </p:nvGrpSpPr>
+      <p:grpSpPr>
+        <a:xfrm>
+          <a:off x="0" y="0"/>
+          <a:ext cx="0" cy="0"/>
+          <a:chOff x="0" y="0"/>
+          <a:chExt cx="0" cy="0"/>
+        </a:xfrm>
+      </p:grpSpPr>
+      <p:sp>
+        <p:nvSpPr>
+          <p:cNvPr id="5" name="TextBox 4"/>
+          <p:cNvSpPr txBox="1"/>
+          <p:nvPr/>
+        </p:nvSpPr>
+        <p:spPr>
+          <a:xfrm>
+            <a:off x="1752600" y="152400"/>
+            <a:ext cx="6172200" cy="369332"/>
+          </a:xfrm>
+          <a:prstGeom prst="rect">
+            <a:avLst/>
+          </a:prstGeom>
+          <a:noFill/>
+        </p:spPr>
+        <p:txBody>
+          <a:bodyPr wrap="square" rtlCol="0">
+            <a:spAutoFit/>
+          </a:bodyPr>
+          <a:lstStyle/>
+          <a:p>
+            <a:r>
+              <a:rPr lang="en-US" altLang="ko-KR" dirty="0" smtClean="0"/>
+              <a:t>PureMD_040400</a:t>
+            </a:r>
+            <a:endParaRPr lang="ko-KR" altLang="en-US" dirty="0"/>
+          </a:p>
+        </p:txBody>
+      </p:sp>
+      <p:pic>
+        <p:nvPicPr>
+          <p:cNvPr id="1026" name="Picture 2"/>
+          <p:cNvPicPr>
+            <a:picLocks noChangeAspect="1" noChangeArrowheads="1"/>
+          </p:cNvPicPr>
+          <p:nvPr/>
+        </p:nvPicPr>
+        <p:blipFill>
+          <a:blip r:embed="rId2" cstate="print"/>
+          <a:srcRect/>
+          <a:stretch>
+            <a:fillRect/>
+          </a:stretch>
+        </p:blipFill>
+        <p:spPr bwMode="auto">
+          <a:xfrm>
+            <a:off x="1484313" y="688975"/>
+            <a:ext cx="6175375" cy="5486400"/>
+          </a:xfrm>
+          <a:prstGeom prst="rect">
+            <a:avLst/>
+          </a:prstGeom>
+          <a:noFill/>
+          <a:ln w="9525">
+            <a:noFill/>
+            <a:miter lim="800000"/>
+            <a:headEnd/>
+            <a:tailEnd/>
+          </a:ln>
+          <a:effectLst/>
+        </p:spPr>
+      </p:pic>
+      <p:pic>
+        <p:nvPicPr>
+          <p:cNvPr id="3" name="Picture 3"/>
+          <p:cNvPicPr>
+            <a:picLocks noChangeAspect="1" noChangeArrowheads="1"/>
+          </p:cNvPicPr>
+          <p:nvPr/>
+        </p:nvPicPr>
+        <p:blipFill>
+          <a:blip r:embed="rId3" cstate="print"/>
+          <a:srcRect/>
+          <a:stretch>
+            <a:fillRect/>
+          </a:stretch>
+        </p:blipFill>
+        <p:spPr bwMode="auto">
+          <a:xfrm>
+            <a:off x="1484313" y="688975"/>
+            <a:ext cx="6175375" cy="5486400"/>
+          </a:xfrm>
+          <a:prstGeom prst="rect">
+            <a:avLst/>
+          </a:prstGeom>
+          <a:noFill/>
+          <a:ln w="9525">
+            <a:noFill/>
+            <a:miter lim="800000"/>
+            <a:headEnd/>
+            <a:tailEnd/>
+          </a:ln>
+          <a:effectLst/>
+        </p:spPr>
+      </p:pic>
+    </p:spTree>
+  </p:cSld>
+  <p:clrMapOvr>
+    <a:masterClrMapping/>
+  </p:clrMapOvr>
+</p:sld>
+</file>
+
+<file path=ppt/slides/slide5.xml><?xml version="1.0" encoding="utf-8"?>
+<p:sld xmlns:a="http://schemas.openxmlformats.org/drawingml/2006/main" xmlns:r="http://schemas.openxmlformats.org/officeDocument/2006/relationships" xmlns:p="http://schemas.openxmlformats.org/presentationml/2006/main">
+  <p:cSld>
+    <p:spTree>
+      <p:nvGrpSpPr>
+        <p:cNvPr id="1" name=""/>
+        <p:cNvGrpSpPr/>
+        <p:nvPr/>
+      </p:nvGrpSpPr>
+      <p:grpSpPr>
+        <a:xfrm>
+          <a:off x="0" y="0"/>
+          <a:ext cx="0" cy="0"/>
+          <a:chOff x="0" y="0"/>
+          <a:chExt cx="0" cy="0"/>
+        </a:xfrm>
+      </p:grpSpPr>
+      <p:sp>
+        <p:nvSpPr>
+          <p:cNvPr id="5" name="TextBox 4"/>
+          <p:cNvSpPr txBox="1"/>
+          <p:nvPr/>
+        </p:nvSpPr>
+        <p:spPr>
+          <a:xfrm>
+            <a:off x="1752600" y="152400"/>
+            <a:ext cx="6172200" cy="369332"/>
+          </a:xfrm>
+          <a:prstGeom prst="rect">
+            <a:avLst/>
+          </a:prstGeom>
+          <a:noFill/>
+        </p:spPr>
+        <p:txBody>
+          <a:bodyPr wrap="square" rtlCol="0">
+            <a:spAutoFit/>
+          </a:bodyPr>
+          <a:lstStyle/>
+          <a:p>
+            <a:r>
+              <a:rPr lang="en-US" altLang="ko-KR" dirty="0" smtClean="0"/>
+              <a:t>PureMD_040400</a:t>
+            </a:r>
+            <a:endParaRPr lang="ko-KR" altLang="en-US" dirty="0"/>
+          </a:p>
+        </p:txBody>
+      </p:sp>
+      <p:pic>
+        <p:nvPicPr>
+          <p:cNvPr id="2050" name="Picture 2"/>
+          <p:cNvPicPr>
+            <a:picLocks noChangeAspect="1" noChangeArrowheads="1"/>
+          </p:cNvPicPr>
+          <p:nvPr/>
+        </p:nvPicPr>
+        <p:blipFill>
+          <a:blip r:embed="rId2" cstate="print"/>
+          <a:srcRect/>
+          <a:stretch>
+            <a:fillRect/>
+          </a:stretch>
+        </p:blipFill>
+        <p:spPr bwMode="auto">
+          <a:xfrm>
+            <a:off x="1484313" y="688975"/>
+            <a:ext cx="6175375" cy="5486400"/>
+          </a:xfrm>
+          <a:prstGeom prst="rect">
+            <a:avLst/>
+          </a:prstGeom>
+          <a:noFill/>
+          <a:ln w="9525">
+            <a:noFill/>
+            <a:miter lim="800000"/>
+            <a:headEnd/>
+            <a:tailEnd/>
+          </a:ln>
+          <a:effectLst/>
+        </p:spPr>
+      </p:pic>
+    </p:spTree>
+  </p:cSld>
+  <p:clrMapOvr>
+    <a:masterClrMapping/>
+  </p:clrMapOvr>
+</p:sld>
+</file>
+
+<file path=ppt/slides/slide6.xml><?xml version="1.0" encoding="utf-8"?>
+<p:sld xmlns:a="http://schemas.openxmlformats.org/drawingml/2006/main" xmlns:r="http://schemas.openxmlformats.org/officeDocument/2006/relationships" xmlns:p="http://schemas.openxmlformats.org/presentationml/2006/main">
+  <p:cSld>
+    <p:spTree>
+      <p:nvGrpSpPr>
+        <p:cNvPr id="1" name=""/>
+        <p:cNvGrpSpPr/>
+        <p:nvPr/>
+      </p:nvGrpSpPr>
+      <p:grpSpPr>
+        <a:xfrm>
+          <a:off x="0" y="0"/>
+          <a:ext cx="0" cy="0"/>
+          <a:chOff x="0" y="0"/>
+          <a:chExt cx="0" cy="0"/>
+        </a:xfrm>
+      </p:grpSpPr>
+      <p:sp>
+        <p:nvSpPr>
+          <p:cNvPr id="5" name="TextBox 4"/>
+          <p:cNvSpPr txBox="1"/>
+          <p:nvPr/>
+        </p:nvSpPr>
+        <p:spPr>
+          <a:xfrm>
+            <a:off x="1752600" y="152400"/>
+            <a:ext cx="6172200" cy="369332"/>
+          </a:xfrm>
+          <a:prstGeom prst="rect">
+            <a:avLst/>
+          </a:prstGeom>
+          <a:noFill/>
+        </p:spPr>
+        <p:txBody>
+          <a:bodyPr wrap="square" rtlCol="0">
+            <a:spAutoFit/>
+          </a:bodyPr>
+          <a:lstStyle/>
+          <a:p>
+            <a:r>
+              <a:rPr lang="en-US" altLang="ko-KR" dirty="0" smtClean="0"/>
+              <a:t>PureMD_050150</a:t>
+            </a:r>
+            <a:endParaRPr lang="ko-KR" altLang="en-US" dirty="0"/>
+          </a:p>
+        </p:txBody>
+      </p:sp>
+      <p:pic>
+        <p:nvPicPr>
+          <p:cNvPr id="4098" name="Picture 2"/>
+          <p:cNvPicPr>
+            <a:picLocks noChangeAspect="1" noChangeArrowheads="1"/>
+          </p:cNvPicPr>
+          <p:nvPr/>
+        </p:nvPicPr>
+        <p:blipFill>
+          <a:blip r:embed="rId2" cstate="print"/>
+          <a:srcRect/>
+          <a:stretch>
+            <a:fillRect/>
+          </a:stretch>
+        </p:blipFill>
+        <p:spPr bwMode="auto">
+          <a:xfrm>
+            <a:off x="1484313" y="688975"/>
+            <a:ext cx="6175375" cy="5486400"/>
+          </a:xfrm>
+          <a:prstGeom prst="rect">
+            <a:avLst/>
+          </a:prstGeom>
+          <a:noFill/>
+          <a:ln w="9525">
+            <a:noFill/>
+            <a:miter lim="800000"/>
+            <a:headEnd/>
+            <a:tailEnd/>
+          </a:ln>
+          <a:effectLst/>
+        </p:spPr>
+      </p:pic>
+    </p:spTree>
+  </p:cSld>
+  <p:clrMapOvr>
+    <a:masterClrMapping/>
+  </p:clrMapOvr>
+</p:sld>
+</file>
+
+<file path=ppt/slides/slide7.xml><?xml version="1.0" encoding="utf-8"?>
+<p:sld xmlns:a="http://schemas.openxmlformats.org/drawingml/2006/main" xmlns:r="http://schemas.openxmlformats.org/officeDocument/2006/relationships" xmlns:p="http://schemas.openxmlformats.org/presentationml/2006/main">
+  <p:cSld>
+    <p:spTree>
+      <p:nvGrpSpPr>
+        <p:cNvPr id="1" name=""/>
+        <p:cNvGrpSpPr/>
+        <p:nvPr/>
+      </p:nvGrpSpPr>
+      <p:grpSpPr>
+        <a:xfrm>
+          <a:off x="0" y="0"/>
+          <a:ext cx="0" cy="0"/>
+          <a:chOff x="0" y="0"/>
+          <a:chExt cx="0" cy="0"/>
+        </a:xfrm>
+      </p:grpSpPr>
+      <p:sp>
+        <p:nvSpPr>
+          <p:cNvPr id="5" name="TextBox 4"/>
+          <p:cNvSpPr txBox="1"/>
+          <p:nvPr/>
+        </p:nvSpPr>
+        <p:spPr>
+          <a:xfrm>
+            <a:off x="1752600" y="152400"/>
+            <a:ext cx="6172200" cy="369332"/>
+          </a:xfrm>
+          <a:prstGeom prst="rect">
+            <a:avLst/>
+          </a:prstGeom>
+          <a:noFill/>
+        </p:spPr>
+        <p:txBody>
+          <a:bodyPr wrap="square" rtlCol="0">
+            <a:spAutoFit/>
+          </a:bodyPr>
+          <a:lstStyle/>
+          <a:p>
+            <a:r>
+              <a:rPr lang="en-US" altLang="ko-KR" dirty="0" smtClean="0"/>
+              <a:t>PureMD_015150</a:t>
+            </a:r>
+          </a:p>
+        </p:txBody>
+      </p:sp>
+      <p:pic>
+        <p:nvPicPr>
+          <p:cNvPr id="3075" name="Picture 3"/>
+          <p:cNvPicPr>
+            <a:picLocks noChangeAspect="1" noChangeArrowheads="1"/>
+          </p:cNvPicPr>
+          <p:nvPr/>
+        </p:nvPicPr>
+        <p:blipFill>
+          <a:blip r:embed="rId2" cstate="print"/>
+          <a:srcRect/>
+          <a:stretch>
+            <a:fillRect/>
+          </a:stretch>
+        </p:blipFill>
+        <p:spPr bwMode="auto">
+          <a:xfrm>
+            <a:off x="1484313" y="688975"/>
+            <a:ext cx="6175375" cy="5486400"/>
+          </a:xfrm>
+          <a:prstGeom prst="rect">
+            <a:avLst/>
+          </a:prstGeom>
+          <a:noFill/>
+          <a:ln w="9525">
+            <a:noFill/>
+            <a:miter lim="800000"/>
+            <a:headEnd/>
+            <a:tailEnd/>
+          </a:ln>
+          <a:effectLst/>
+        </p:spPr>
+      </p:pic>
     </p:spTree>
   </p:cSld>
   <p:clrMapOvr>

--- a/papers/coupled-simulations/AIAA2012/AIAA_Figure_Gen.pptx
+++ b/papers/coupled-simulations/AIAA2012/AIAA_Figure_Gen.pptx
@@ -12,6 +12,8 @@
     <p:sldId id="260" r:id="rId6"/>
     <p:sldId id="261" r:id="rId7"/>
     <p:sldId id="262" r:id="rId8"/>
+    <p:sldId id="263" r:id="rId9"/>
+    <p:sldId id="264" r:id="rId10"/>
   </p:sldIdLst>
   <p:sldSz cx="9144000" cy="6858000" type="screen4x3"/>
   <p:notesSz cx="6858000" cy="9144000"/>
@@ -3832,6 +3834,203 @@
           <a:effectLst/>
         </p:spPr>
       </p:pic>
+    </p:spTree>
+  </p:cSld>
+  <p:clrMapOvr>
+    <a:masterClrMapping/>
+  </p:clrMapOvr>
+</p:sld>
+</file>
+
+<file path=ppt/slides/slide8.xml><?xml version="1.0" encoding="utf-8"?>
+<p:sld xmlns:a="http://schemas.openxmlformats.org/drawingml/2006/main" xmlns:r="http://schemas.openxmlformats.org/officeDocument/2006/relationships" xmlns:p="http://schemas.openxmlformats.org/presentationml/2006/main">
+  <p:cSld>
+    <p:spTree>
+      <p:nvGrpSpPr>
+        <p:cNvPr id="1" name=""/>
+        <p:cNvGrpSpPr/>
+        <p:nvPr/>
+      </p:nvGrpSpPr>
+      <p:grpSpPr>
+        <a:xfrm>
+          <a:off x="0" y="0"/>
+          <a:ext cx="0" cy="0"/>
+          <a:chOff x="0" y="0"/>
+          <a:chExt cx="0" cy="0"/>
+        </a:xfrm>
+      </p:grpSpPr>
+      <p:sp>
+        <p:nvSpPr>
+          <p:cNvPr id="6" name="TextBox 5"/>
+          <p:cNvSpPr txBox="1"/>
+          <p:nvPr/>
+        </p:nvSpPr>
+        <p:spPr>
+          <a:xfrm>
+            <a:off x="1752600" y="152400"/>
+            <a:ext cx="6172200" cy="369332"/>
+          </a:xfrm>
+          <a:prstGeom prst="rect">
+            <a:avLst/>
+          </a:prstGeom>
+          <a:noFill/>
+        </p:spPr>
+        <p:txBody>
+          <a:bodyPr wrap="square" rtlCol="0">
+            <a:spAutoFit/>
+          </a:bodyPr>
+          <a:lstStyle/>
+          <a:p>
+            <a:r>
+              <a:rPr lang="en-US" altLang="ko-KR" dirty="0" err="1" smtClean="0"/>
+              <a:t>Water_Ind_at</a:t>
+            </a:r>
+            <a:r>
+              <a:rPr lang="en-US" altLang="ko-KR" dirty="0" smtClean="0"/>
+              <a:t> 0.30</a:t>
+            </a:r>
+          </a:p>
+        </p:txBody>
+      </p:sp>
+    </p:spTree>
+  </p:cSld>
+  <p:clrMapOvr>
+    <a:masterClrMapping/>
+  </p:clrMapOvr>
+</p:sld>
+</file>
+
+<file path=ppt/slides/slide9.xml><?xml version="1.0" encoding="utf-8"?>
+<p:sld xmlns:a="http://schemas.openxmlformats.org/drawingml/2006/main" xmlns:r="http://schemas.openxmlformats.org/officeDocument/2006/relationships" xmlns:p="http://schemas.openxmlformats.org/presentationml/2006/main">
+  <p:cSld>
+    <p:spTree>
+      <p:nvGrpSpPr>
+        <p:cNvPr id="1" name=""/>
+        <p:cNvGrpSpPr/>
+        <p:nvPr/>
+      </p:nvGrpSpPr>
+      <p:grpSpPr>
+        <a:xfrm>
+          <a:off x="0" y="0"/>
+          <a:ext cx="0" cy="0"/>
+          <a:chOff x="0" y="0"/>
+          <a:chExt cx="0" cy="0"/>
+        </a:xfrm>
+      </p:grpSpPr>
+      <p:grpSp>
+        <p:nvGrpSpPr>
+          <p:cNvPr id="5" name="Group 4"/>
+          <p:cNvGrpSpPr/>
+          <p:nvPr/>
+        </p:nvGrpSpPr>
+        <p:grpSpPr>
+          <a:xfrm>
+            <a:off x="1484313" y="688975"/>
+            <a:ext cx="6175375" cy="5486400"/>
+            <a:chOff x="1484313" y="688975"/>
+            <a:chExt cx="6175375" cy="5486400"/>
+          </a:xfrm>
+        </p:grpSpPr>
+        <p:pic>
+          <p:nvPicPr>
+            <p:cNvPr id="2050" name="Picture 2"/>
+            <p:cNvPicPr>
+              <a:picLocks noChangeAspect="1" noChangeArrowheads="1"/>
+            </p:cNvPicPr>
+            <p:nvPr/>
+          </p:nvPicPr>
+          <p:blipFill>
+            <a:blip r:embed="rId2" cstate="print"/>
+            <a:srcRect/>
+            <a:stretch>
+              <a:fillRect/>
+            </a:stretch>
+          </p:blipFill>
+          <p:spPr bwMode="auto">
+            <a:xfrm>
+              <a:off x="1484313" y="688975"/>
+              <a:ext cx="6175375" cy="5486400"/>
+            </a:xfrm>
+            <a:prstGeom prst="rect">
+              <a:avLst/>
+            </a:prstGeom>
+            <a:noFill/>
+            <a:ln w="9525">
+              <a:noFill/>
+              <a:miter lim="800000"/>
+              <a:headEnd/>
+              <a:tailEnd/>
+            </a:ln>
+            <a:effectLst/>
+          </p:spPr>
+        </p:pic>
+        <p:pic>
+          <p:nvPicPr>
+            <p:cNvPr id="1027" name="Picture 3"/>
+            <p:cNvPicPr>
+              <a:picLocks noChangeAspect="1" noChangeArrowheads="1"/>
+            </p:cNvPicPr>
+            <p:nvPr/>
+          </p:nvPicPr>
+          <p:blipFill>
+            <a:blip r:embed="rId3" cstate="print"/>
+            <a:srcRect l="16684" t="11053" r="52468" b="76447"/>
+            <a:stretch>
+              <a:fillRect/>
+            </a:stretch>
+          </p:blipFill>
+          <p:spPr bwMode="auto">
+            <a:xfrm>
+              <a:off x="2514600" y="1295400"/>
+              <a:ext cx="1905000" cy="685800"/>
+            </a:xfrm>
+            <a:prstGeom prst="rect">
+              <a:avLst/>
+            </a:prstGeom>
+            <a:noFill/>
+            <a:ln w="9525">
+              <a:noFill/>
+              <a:miter lim="800000"/>
+              <a:headEnd/>
+              <a:tailEnd/>
+            </a:ln>
+            <a:effectLst/>
+          </p:spPr>
+        </p:pic>
+      </p:grpSp>
+      <p:sp>
+        <p:nvSpPr>
+          <p:cNvPr id="6" name="TextBox 5"/>
+          <p:cNvSpPr txBox="1"/>
+          <p:nvPr/>
+        </p:nvSpPr>
+        <p:spPr>
+          <a:xfrm>
+            <a:off x="1752600" y="152400"/>
+            <a:ext cx="6172200" cy="369332"/>
+          </a:xfrm>
+          <a:prstGeom prst="rect">
+            <a:avLst/>
+          </a:prstGeom>
+          <a:noFill/>
+        </p:spPr>
+        <p:txBody>
+          <a:bodyPr wrap="square" rtlCol="0">
+            <a:spAutoFit/>
+          </a:bodyPr>
+          <a:lstStyle/>
+          <a:p>
+            <a:r>
+              <a:rPr lang="en-US" altLang="ko-KR" dirty="0" err="1" smtClean="0"/>
+              <a:t>Water_Ind_at</a:t>
+            </a:r>
+            <a:r>
+              <a:rPr lang="en-US" altLang="ko-KR" dirty="0" smtClean="0"/>
+              <a:t> 0.30</a:t>
+            </a:r>
+          </a:p>
+        </p:txBody>
+      </p:sp>
     </p:spTree>
   </p:cSld>
   <p:clrMapOvr>

--- a/papers/coupled-simulations/AIAA2012/AIAA_Figure_Gen.pptx
+++ b/papers/coupled-simulations/AIAA2012/AIAA_Figure_Gen.pptx
@@ -3892,6 +3892,39 @@
           </a:p>
         </p:txBody>
       </p:sp>
+      <p:pic>
+        <p:nvPicPr>
+          <p:cNvPr id="1026" name="Picture 2"/>
+          <p:cNvPicPr>
+            <a:picLocks noChangeAspect="1" noChangeArrowheads="1"/>
+          </p:cNvPicPr>
+          <p:nvPr/>
+        </p:nvPicPr>
+        <p:blipFill>
+          <a:blip r:embed="rId2" cstate="print"/>
+          <a:srcRect/>
+          <a:stretch>
+            <a:fillRect/>
+          </a:stretch>
+        </p:blipFill>
+        <p:spPr bwMode="auto">
+          <a:xfrm>
+            <a:off x="1482725" y="688975"/>
+            <a:ext cx="6176963" cy="5478463"/>
+          </a:xfrm>
+          <a:prstGeom prst="rect">
+            <a:avLst/>
+          </a:prstGeom>
+          <a:noFill/>
+          <a:ln w="9525">
+            <a:noFill/>
+            <a:miter lim="800000"/>
+            <a:headEnd/>
+            <a:tailEnd/>
+          </a:ln>
+          <a:effectLst/>
+        </p:spPr>
+      </p:pic>
     </p:spTree>
   </p:cSld>
   <p:clrMapOvr>
